--- a/Manual/Presentación.pptx
+++ b/Manual/Presentación.pptx
@@ -5,7 +5,7 @@
     <p:sldMasterId id="2147483648" r:id="rId1"/>
   </p:sldMasterIdLst>
   <p:notesMasterIdLst>
-    <p:notesMasterId r:id="rId11"/>
+    <p:notesMasterId r:id="rId20"/>
   </p:notesMasterIdLst>
   <p:sldIdLst>
     <p:sldId id="271" r:id="rId2"/>
@@ -16,7 +16,16 @@
     <p:sldId id="296" r:id="rId7"/>
     <p:sldId id="297" r:id="rId8"/>
     <p:sldId id="298" r:id="rId9"/>
-    <p:sldId id="272" r:id="rId10"/>
+    <p:sldId id="299" r:id="rId10"/>
+    <p:sldId id="300" r:id="rId11"/>
+    <p:sldId id="302" r:id="rId12"/>
+    <p:sldId id="303" r:id="rId13"/>
+    <p:sldId id="304" r:id="rId14"/>
+    <p:sldId id="305" r:id="rId15"/>
+    <p:sldId id="306" r:id="rId16"/>
+    <p:sldId id="308" r:id="rId17"/>
+    <p:sldId id="309" r:id="rId18"/>
+    <p:sldId id="272" r:id="rId19"/>
   </p:sldIdLst>
   <p:sldSz cx="12192000" cy="6858000"/>
   <p:notesSz cx="6858000" cy="9144000"/>
@@ -205,7 +214,7 @@
           <a:p>
             <a:fld id="{D51974E6-76F9-4ACA-897F-07EBF6FF4574}" type="datetimeFigureOut">
               <a:rPr lang="en-US" smtClean="0"/>
-              <a:t>7/2/2019</a:t>
+              <a:t>5/7/2020</a:t>
             </a:fld>
             <a:endParaRPr lang="en-US"/>
           </a:p>
@@ -695,7 +704,7 @@
           <a:p>
             <a:fld id="{E9C9C824-177C-49C4-BBEB-F1CE9B71E7C3}" type="datetimeFigureOut">
               <a:rPr lang="en-US" smtClean="0"/>
-              <a:t>7/2/2019</a:t>
+              <a:t>5/7/2020</a:t>
             </a:fld>
             <a:endParaRPr lang="en-US"/>
           </a:p>
@@ -863,7 +872,7 @@
           <a:p>
             <a:fld id="{E9C9C824-177C-49C4-BBEB-F1CE9B71E7C3}" type="datetimeFigureOut">
               <a:rPr lang="en-US" smtClean="0"/>
-              <a:t>7/2/2019</a:t>
+              <a:t>5/7/2020</a:t>
             </a:fld>
             <a:endParaRPr lang="en-US"/>
           </a:p>
@@ -1041,7 +1050,7 @@
           <a:p>
             <a:fld id="{E9C9C824-177C-49C4-BBEB-F1CE9B71E7C3}" type="datetimeFigureOut">
               <a:rPr lang="en-US" smtClean="0"/>
-              <a:t>7/2/2019</a:t>
+              <a:t>5/7/2020</a:t>
             </a:fld>
             <a:endParaRPr lang="en-US"/>
           </a:p>
@@ -1209,7 +1218,7 @@
           <a:p>
             <a:fld id="{E9C9C824-177C-49C4-BBEB-F1CE9B71E7C3}" type="datetimeFigureOut">
               <a:rPr lang="en-US" smtClean="0"/>
-              <a:t>7/2/2019</a:t>
+              <a:t>5/7/2020</a:t>
             </a:fld>
             <a:endParaRPr lang="en-US"/>
           </a:p>
@@ -1454,7 +1463,7 @@
           <a:p>
             <a:fld id="{E9C9C824-177C-49C4-BBEB-F1CE9B71E7C3}" type="datetimeFigureOut">
               <a:rPr lang="en-US" smtClean="0"/>
-              <a:t>7/2/2019</a:t>
+              <a:t>5/7/2020</a:t>
             </a:fld>
             <a:endParaRPr lang="en-US"/>
           </a:p>
@@ -1683,7 +1692,7 @@
           <a:p>
             <a:fld id="{E9C9C824-177C-49C4-BBEB-F1CE9B71E7C3}" type="datetimeFigureOut">
               <a:rPr lang="en-US" smtClean="0"/>
-              <a:t>7/2/2019</a:t>
+              <a:t>5/7/2020</a:t>
             </a:fld>
             <a:endParaRPr lang="en-US"/>
           </a:p>
@@ -2047,7 +2056,7 @@
           <a:p>
             <a:fld id="{E9C9C824-177C-49C4-BBEB-F1CE9B71E7C3}" type="datetimeFigureOut">
               <a:rPr lang="en-US" smtClean="0"/>
-              <a:t>7/2/2019</a:t>
+              <a:t>5/7/2020</a:t>
             </a:fld>
             <a:endParaRPr lang="en-US"/>
           </a:p>
@@ -2164,7 +2173,7 @@
           <a:p>
             <a:fld id="{E9C9C824-177C-49C4-BBEB-F1CE9B71E7C3}" type="datetimeFigureOut">
               <a:rPr lang="en-US" smtClean="0"/>
-              <a:t>7/2/2019</a:t>
+              <a:t>5/7/2020</a:t>
             </a:fld>
             <a:endParaRPr lang="en-US"/>
           </a:p>
@@ -2259,7 +2268,7 @@
           <a:p>
             <a:fld id="{E9C9C824-177C-49C4-BBEB-F1CE9B71E7C3}" type="datetimeFigureOut">
               <a:rPr lang="en-US" smtClean="0"/>
-              <a:t>7/2/2019</a:t>
+              <a:t>5/7/2020</a:t>
             </a:fld>
             <a:endParaRPr lang="en-US"/>
           </a:p>
@@ -2534,7 +2543,7 @@
           <a:p>
             <a:fld id="{E9C9C824-177C-49C4-BBEB-F1CE9B71E7C3}" type="datetimeFigureOut">
               <a:rPr lang="en-US" smtClean="0"/>
-              <a:t>7/2/2019</a:t>
+              <a:t>5/7/2020</a:t>
             </a:fld>
             <a:endParaRPr lang="en-US"/>
           </a:p>
@@ -2786,7 +2795,7 @@
           <a:p>
             <a:fld id="{E9C9C824-177C-49C4-BBEB-F1CE9B71E7C3}" type="datetimeFigureOut">
               <a:rPr lang="en-US" smtClean="0"/>
-              <a:t>7/2/2019</a:t>
+              <a:t>5/7/2020</a:t>
             </a:fld>
             <a:endParaRPr lang="en-US"/>
           </a:p>
@@ -3000,7 +3009,7 @@
           <a:p>
             <a:fld id="{E9C9C824-177C-49C4-BBEB-F1CE9B71E7C3}" type="datetimeFigureOut">
               <a:rPr lang="en-US" smtClean="0"/>
-              <a:t>7/2/2019</a:t>
+              <a:t>5/7/2020</a:t>
             </a:fld>
             <a:endParaRPr lang="en-US"/>
           </a:p>
@@ -5485,6 +5494,1623 @@
 </p:sld>
 </file>
 
+<file path=ppt/slides/slide10.xml><?xml version="1.0" encoding="utf-8"?>
+<p:sld xmlns:a="http://schemas.openxmlformats.org/drawingml/2006/main" xmlns:r="http://schemas.openxmlformats.org/officeDocument/2006/relationships" xmlns:p="http://schemas.openxmlformats.org/presentationml/2006/main">
+  <p:cSld>
+    <p:spTree>
+      <p:nvGrpSpPr>
+        <p:cNvPr id="1" name=""/>
+        <p:cNvGrpSpPr/>
+        <p:nvPr/>
+      </p:nvGrpSpPr>
+      <p:grpSpPr>
+        <a:xfrm>
+          <a:off x="0" y="0"/>
+          <a:ext cx="0" cy="0"/>
+          <a:chOff x="0" y="0"/>
+          <a:chExt cx="0" cy="0"/>
+        </a:xfrm>
+      </p:grpSpPr>
+      <p:sp>
+        <p:nvSpPr>
+          <p:cNvPr id="4" name="Title 3"/>
+          <p:cNvSpPr txBox="1">
+            <a:spLocks/>
+          </p:cNvSpPr>
+          <p:nvPr/>
+        </p:nvSpPr>
+        <p:spPr>
+          <a:xfrm>
+            <a:off x="609441" y="274639"/>
+            <a:ext cx="10969943" cy="711081"/>
+          </a:xfrm>
+          <a:prstGeom prst="rect">
+            <a:avLst/>
+          </a:prstGeom>
+        </p:spPr>
+        <p:txBody>
+          <a:bodyPr/>
+          <a:lstStyle>
+            <a:lvl1pPr algn="l" defTabSz="914400" rtl="0" eaLnBrk="1" latinLnBrk="0" hangingPunct="1">
+              <a:lnSpc>
+                <a:spcPct val="90000"/>
+              </a:lnSpc>
+              <a:spcBef>
+                <a:spcPct val="0"/>
+              </a:spcBef>
+              <a:buNone/>
+              <a:defRPr sz="4400" kern="1200">
+                <a:solidFill>
+                  <a:schemeClr val="tx1"/>
+                </a:solidFill>
+                <a:latin typeface="+mj-lt"/>
+                <a:ea typeface="+mj-ea"/>
+                <a:cs typeface="+mj-cs"/>
+              </a:defRPr>
+            </a:lvl1pPr>
+          </a:lstStyle>
+          <a:p>
+            <a:r>
+              <a:rPr lang="en-US" dirty="0" smtClean="0"/>
+              <a:t>Sistema de </a:t>
+            </a:r>
+            <a:r>
+              <a:rPr lang="en-US" dirty="0" err="1" smtClean="0"/>
+              <a:t>Registro</a:t>
+            </a:r>
+            <a:r>
+              <a:rPr lang="en-US" dirty="0" smtClean="0"/>
+              <a:t> </a:t>
+            </a:r>
+            <a:r>
+              <a:rPr lang="en-US" dirty="0" err="1" smtClean="0"/>
+              <a:t>en</a:t>
+            </a:r>
+            <a:r>
+              <a:rPr lang="en-US" dirty="0" smtClean="0"/>
+              <a:t> </a:t>
+            </a:r>
+            <a:r>
+              <a:rPr lang="en-US" dirty="0" err="1" smtClean="0"/>
+              <a:t>Línea</a:t>
+            </a:r>
+            <a:endParaRPr lang="en-US" dirty="0"/>
+          </a:p>
+        </p:txBody>
+      </p:sp>
+      <p:pic>
+        <p:nvPicPr>
+          <p:cNvPr id="2" name="Imagen 1"/>
+          <p:cNvPicPr>
+            <a:picLocks noChangeAspect="1"/>
+          </p:cNvPicPr>
+          <p:nvPr/>
+        </p:nvPicPr>
+        <p:blipFill>
+          <a:blip r:embed="rId2"/>
+          <a:stretch>
+            <a:fillRect/>
+          </a:stretch>
+        </p:blipFill>
+        <p:spPr>
+          <a:xfrm>
+            <a:off x="711653" y="1175657"/>
+            <a:ext cx="5644576" cy="2395809"/>
+          </a:xfrm>
+          <a:prstGeom prst="rect">
+            <a:avLst/>
+          </a:prstGeom>
+        </p:spPr>
+      </p:pic>
+      <p:pic>
+        <p:nvPicPr>
+          <p:cNvPr id="6" name="Imagen 5"/>
+          <p:cNvPicPr>
+            <a:picLocks noChangeAspect="1"/>
+          </p:cNvPicPr>
+          <p:nvPr/>
+        </p:nvPicPr>
+        <p:blipFill>
+          <a:blip r:embed="rId3"/>
+          <a:stretch>
+            <a:fillRect/>
+          </a:stretch>
+        </p:blipFill>
+        <p:spPr>
+          <a:xfrm>
+            <a:off x="829219" y="3761403"/>
+            <a:ext cx="9412061" cy="2896580"/>
+          </a:xfrm>
+          <a:prstGeom prst="rect">
+            <a:avLst/>
+          </a:prstGeom>
+        </p:spPr>
+      </p:pic>
+      <p:pic>
+        <p:nvPicPr>
+          <p:cNvPr id="7" name="Imagen 6"/>
+          <p:cNvPicPr>
+            <a:picLocks noChangeAspect="1"/>
+          </p:cNvPicPr>
+          <p:nvPr/>
+        </p:nvPicPr>
+        <p:blipFill>
+          <a:blip r:embed="rId4"/>
+          <a:stretch>
+            <a:fillRect/>
+          </a:stretch>
+        </p:blipFill>
+        <p:spPr>
+          <a:xfrm>
+            <a:off x="6941684" y="985720"/>
+            <a:ext cx="4501379" cy="2718587"/>
+          </a:xfrm>
+          <a:prstGeom prst="rect">
+            <a:avLst/>
+          </a:prstGeom>
+        </p:spPr>
+      </p:pic>
+    </p:spTree>
+    <p:extLst>
+      <p:ext uri="{BB962C8B-B14F-4D97-AF65-F5344CB8AC3E}">
+        <p14:creationId xmlns:p14="http://schemas.microsoft.com/office/powerpoint/2010/main" val="690455065"/>
+      </p:ext>
+    </p:extLst>
+  </p:cSld>
+  <p:clrMapOvr>
+    <a:masterClrMapping/>
+  </p:clrMapOvr>
+  <p:timing>
+    <p:tnLst>
+      <p:par>
+        <p:cTn id="1" dur="indefinite" restart="never" nodeType="tmRoot"/>
+      </p:par>
+    </p:tnLst>
+  </p:timing>
+</p:sld>
+</file>
+
+<file path=ppt/slides/slide11.xml><?xml version="1.0" encoding="utf-8"?>
+<p:sld xmlns:a="http://schemas.openxmlformats.org/drawingml/2006/main" xmlns:r="http://schemas.openxmlformats.org/officeDocument/2006/relationships" xmlns:p="http://schemas.openxmlformats.org/presentationml/2006/main">
+  <p:cSld>
+    <p:spTree>
+      <p:nvGrpSpPr>
+        <p:cNvPr id="1" name=""/>
+        <p:cNvGrpSpPr/>
+        <p:nvPr/>
+      </p:nvGrpSpPr>
+      <p:grpSpPr>
+        <a:xfrm>
+          <a:off x="0" y="0"/>
+          <a:ext cx="0" cy="0"/>
+          <a:chOff x="0" y="0"/>
+          <a:chExt cx="0" cy="0"/>
+        </a:xfrm>
+      </p:grpSpPr>
+      <p:sp>
+        <p:nvSpPr>
+          <p:cNvPr id="4" name="Title 3"/>
+          <p:cNvSpPr txBox="1">
+            <a:spLocks/>
+          </p:cNvSpPr>
+          <p:nvPr/>
+        </p:nvSpPr>
+        <p:spPr>
+          <a:xfrm>
+            <a:off x="609441" y="274639"/>
+            <a:ext cx="10969943" cy="711081"/>
+          </a:xfrm>
+          <a:prstGeom prst="rect">
+            <a:avLst/>
+          </a:prstGeom>
+        </p:spPr>
+        <p:txBody>
+          <a:bodyPr/>
+          <a:lstStyle>
+            <a:lvl1pPr algn="l" defTabSz="914400" rtl="0" eaLnBrk="1" latinLnBrk="0" hangingPunct="1">
+              <a:lnSpc>
+                <a:spcPct val="90000"/>
+              </a:lnSpc>
+              <a:spcBef>
+                <a:spcPct val="0"/>
+              </a:spcBef>
+              <a:buNone/>
+              <a:defRPr sz="4400" kern="1200">
+                <a:solidFill>
+                  <a:schemeClr val="tx1"/>
+                </a:solidFill>
+                <a:latin typeface="+mj-lt"/>
+                <a:ea typeface="+mj-ea"/>
+                <a:cs typeface="+mj-cs"/>
+              </a:defRPr>
+            </a:lvl1pPr>
+          </a:lstStyle>
+          <a:p>
+            <a:r>
+              <a:rPr lang="en-US" dirty="0" err="1" smtClean="0"/>
+              <a:t>Configuración</a:t>
+            </a:r>
+            <a:r>
+              <a:rPr lang="en-US" dirty="0" smtClean="0"/>
+              <a:t> de Carreras, </a:t>
+            </a:r>
+            <a:r>
+              <a:rPr lang="en-US" dirty="0" err="1" smtClean="0"/>
+              <a:t>Materias</a:t>
+            </a:r>
+            <a:r>
+              <a:rPr lang="en-US" dirty="0" smtClean="0"/>
+              <a:t>, </a:t>
+            </a:r>
+            <a:r>
+              <a:rPr lang="en-US" dirty="0" err="1" smtClean="0"/>
+              <a:t>Mapas</a:t>
+            </a:r>
+            <a:r>
+              <a:rPr lang="en-US" dirty="0" smtClean="0"/>
+              <a:t> </a:t>
+            </a:r>
+            <a:r>
+              <a:rPr lang="en-US" dirty="0" err="1" smtClean="0"/>
+              <a:t>Curriculares</a:t>
+            </a:r>
+            <a:endParaRPr lang="en-US" dirty="0"/>
+          </a:p>
+        </p:txBody>
+      </p:sp>
+      <p:pic>
+        <p:nvPicPr>
+          <p:cNvPr id="3" name="Imagen 2"/>
+          <p:cNvPicPr>
+            <a:picLocks noChangeAspect="1"/>
+          </p:cNvPicPr>
+          <p:nvPr/>
+        </p:nvPicPr>
+        <p:blipFill>
+          <a:blip r:embed="rId2"/>
+          <a:stretch>
+            <a:fillRect/>
+          </a:stretch>
+        </p:blipFill>
+        <p:spPr>
+          <a:xfrm>
+            <a:off x="1203324" y="1834805"/>
+            <a:ext cx="9782175" cy="4267200"/>
+          </a:xfrm>
+          <a:prstGeom prst="rect">
+            <a:avLst/>
+          </a:prstGeom>
+        </p:spPr>
+      </p:pic>
+    </p:spTree>
+    <p:extLst>
+      <p:ext uri="{BB962C8B-B14F-4D97-AF65-F5344CB8AC3E}">
+        <p14:creationId xmlns:p14="http://schemas.microsoft.com/office/powerpoint/2010/main" val="3448231879"/>
+      </p:ext>
+    </p:extLst>
+  </p:cSld>
+  <p:clrMapOvr>
+    <a:masterClrMapping/>
+  </p:clrMapOvr>
+  <p:timing>
+    <p:tnLst>
+      <p:par>
+        <p:cTn id="1" dur="indefinite" restart="never" nodeType="tmRoot"/>
+      </p:par>
+    </p:tnLst>
+  </p:timing>
+</p:sld>
+</file>
+
+<file path=ppt/slides/slide12.xml><?xml version="1.0" encoding="utf-8"?>
+<p:sld xmlns:a="http://schemas.openxmlformats.org/drawingml/2006/main" xmlns:r="http://schemas.openxmlformats.org/officeDocument/2006/relationships" xmlns:p="http://schemas.openxmlformats.org/presentationml/2006/main">
+  <p:cSld>
+    <p:spTree>
+      <p:nvGrpSpPr>
+        <p:cNvPr id="1" name=""/>
+        <p:cNvGrpSpPr/>
+        <p:nvPr/>
+      </p:nvGrpSpPr>
+      <p:grpSpPr>
+        <a:xfrm>
+          <a:off x="0" y="0"/>
+          <a:ext cx="0" cy="0"/>
+          <a:chOff x="0" y="0"/>
+          <a:chExt cx="0" cy="0"/>
+        </a:xfrm>
+      </p:grpSpPr>
+      <p:sp>
+        <p:nvSpPr>
+          <p:cNvPr id="4" name="Title 3"/>
+          <p:cNvSpPr txBox="1">
+            <a:spLocks/>
+          </p:cNvSpPr>
+          <p:nvPr/>
+        </p:nvSpPr>
+        <p:spPr>
+          <a:xfrm>
+            <a:off x="609441" y="274639"/>
+            <a:ext cx="10969943" cy="711081"/>
+          </a:xfrm>
+          <a:prstGeom prst="rect">
+            <a:avLst/>
+          </a:prstGeom>
+        </p:spPr>
+        <p:txBody>
+          <a:bodyPr/>
+          <a:lstStyle>
+            <a:lvl1pPr algn="l" defTabSz="914400" rtl="0" eaLnBrk="1" latinLnBrk="0" hangingPunct="1">
+              <a:lnSpc>
+                <a:spcPct val="90000"/>
+              </a:lnSpc>
+              <a:spcBef>
+                <a:spcPct val="0"/>
+              </a:spcBef>
+              <a:buNone/>
+              <a:defRPr sz="4400" kern="1200">
+                <a:solidFill>
+                  <a:schemeClr val="tx1"/>
+                </a:solidFill>
+                <a:latin typeface="+mj-lt"/>
+                <a:ea typeface="+mj-ea"/>
+                <a:cs typeface="+mj-cs"/>
+              </a:defRPr>
+            </a:lvl1pPr>
+          </a:lstStyle>
+          <a:p>
+            <a:r>
+              <a:rPr lang="en-US" dirty="0" err="1" smtClean="0"/>
+              <a:t>Carga</a:t>
+            </a:r>
+            <a:r>
+              <a:rPr lang="en-US" dirty="0" smtClean="0"/>
+              <a:t> de </a:t>
+            </a:r>
+            <a:r>
+              <a:rPr lang="en-US" dirty="0" err="1" smtClean="0"/>
+              <a:t>horarios</a:t>
+            </a:r>
+            <a:endParaRPr lang="en-US" dirty="0"/>
+          </a:p>
+        </p:txBody>
+      </p:sp>
+      <p:pic>
+        <p:nvPicPr>
+          <p:cNvPr id="2" name="Imagen 1"/>
+          <p:cNvPicPr>
+            <a:picLocks noChangeAspect="1"/>
+          </p:cNvPicPr>
+          <p:nvPr/>
+        </p:nvPicPr>
+        <p:blipFill>
+          <a:blip r:embed="rId2"/>
+          <a:stretch>
+            <a:fillRect/>
+          </a:stretch>
+        </p:blipFill>
+        <p:spPr>
+          <a:xfrm>
+            <a:off x="293643" y="1362346"/>
+            <a:ext cx="11404898" cy="4424499"/>
+          </a:xfrm>
+          <a:prstGeom prst="rect">
+            <a:avLst/>
+          </a:prstGeom>
+        </p:spPr>
+      </p:pic>
+    </p:spTree>
+    <p:extLst>
+      <p:ext uri="{BB962C8B-B14F-4D97-AF65-F5344CB8AC3E}">
+        <p14:creationId xmlns:p14="http://schemas.microsoft.com/office/powerpoint/2010/main" val="3616123181"/>
+      </p:ext>
+    </p:extLst>
+  </p:cSld>
+  <p:clrMapOvr>
+    <a:masterClrMapping/>
+  </p:clrMapOvr>
+  <p:timing>
+    <p:tnLst>
+      <p:par>
+        <p:cTn id="1" dur="indefinite" restart="never" nodeType="tmRoot"/>
+      </p:par>
+    </p:tnLst>
+  </p:timing>
+</p:sld>
+</file>
+
+<file path=ppt/slides/slide13.xml><?xml version="1.0" encoding="utf-8"?>
+<p:sld xmlns:a="http://schemas.openxmlformats.org/drawingml/2006/main" xmlns:r="http://schemas.openxmlformats.org/officeDocument/2006/relationships" xmlns:p="http://schemas.openxmlformats.org/presentationml/2006/main">
+  <p:cSld>
+    <p:spTree>
+      <p:nvGrpSpPr>
+        <p:cNvPr id="1" name=""/>
+        <p:cNvGrpSpPr/>
+        <p:nvPr/>
+      </p:nvGrpSpPr>
+      <p:grpSpPr>
+        <a:xfrm>
+          <a:off x="0" y="0"/>
+          <a:ext cx="0" cy="0"/>
+          <a:chOff x="0" y="0"/>
+          <a:chExt cx="0" cy="0"/>
+        </a:xfrm>
+      </p:grpSpPr>
+      <p:sp>
+        <p:nvSpPr>
+          <p:cNvPr id="4" name="Title 3"/>
+          <p:cNvSpPr txBox="1">
+            <a:spLocks/>
+          </p:cNvSpPr>
+          <p:nvPr/>
+        </p:nvSpPr>
+        <p:spPr>
+          <a:xfrm>
+            <a:off x="609441" y="274639"/>
+            <a:ext cx="10969943" cy="711081"/>
+          </a:xfrm>
+          <a:prstGeom prst="rect">
+            <a:avLst/>
+          </a:prstGeom>
+        </p:spPr>
+        <p:txBody>
+          <a:bodyPr/>
+          <a:lstStyle>
+            <a:lvl1pPr algn="l" defTabSz="914400" rtl="0" eaLnBrk="1" latinLnBrk="0" hangingPunct="1">
+              <a:lnSpc>
+                <a:spcPct val="90000"/>
+              </a:lnSpc>
+              <a:spcBef>
+                <a:spcPct val="0"/>
+              </a:spcBef>
+              <a:buNone/>
+              <a:defRPr sz="4400" kern="1200">
+                <a:solidFill>
+                  <a:schemeClr val="tx1"/>
+                </a:solidFill>
+                <a:latin typeface="+mj-lt"/>
+                <a:ea typeface="+mj-ea"/>
+                <a:cs typeface="+mj-cs"/>
+              </a:defRPr>
+            </a:lvl1pPr>
+          </a:lstStyle>
+          <a:p>
+            <a:r>
+              <a:rPr lang="en-US" dirty="0" err="1" smtClean="0"/>
+              <a:t>Reinscripciones</a:t>
+            </a:r>
+            <a:r>
+              <a:rPr lang="en-US" dirty="0" smtClean="0"/>
+              <a:t> de </a:t>
+            </a:r>
+            <a:r>
+              <a:rPr lang="en-US" dirty="0" err="1" smtClean="0"/>
+              <a:t>Alumnos</a:t>
+            </a:r>
+            <a:endParaRPr lang="en-US" dirty="0"/>
+          </a:p>
+        </p:txBody>
+      </p:sp>
+      <p:pic>
+        <p:nvPicPr>
+          <p:cNvPr id="3" name="Imagen 2"/>
+          <p:cNvPicPr>
+            <a:picLocks noChangeAspect="1"/>
+          </p:cNvPicPr>
+          <p:nvPr/>
+        </p:nvPicPr>
+        <p:blipFill>
+          <a:blip r:embed="rId2"/>
+          <a:stretch>
+            <a:fillRect/>
+          </a:stretch>
+        </p:blipFill>
+        <p:spPr>
+          <a:xfrm>
+            <a:off x="504939" y="1159872"/>
+            <a:ext cx="10969943" cy="4533849"/>
+          </a:xfrm>
+          <a:prstGeom prst="rect">
+            <a:avLst/>
+          </a:prstGeom>
+        </p:spPr>
+      </p:pic>
+    </p:spTree>
+    <p:extLst>
+      <p:ext uri="{BB962C8B-B14F-4D97-AF65-F5344CB8AC3E}">
+        <p14:creationId xmlns:p14="http://schemas.microsoft.com/office/powerpoint/2010/main" val="3274943966"/>
+      </p:ext>
+    </p:extLst>
+  </p:cSld>
+  <p:clrMapOvr>
+    <a:masterClrMapping/>
+  </p:clrMapOvr>
+  <p:timing>
+    <p:tnLst>
+      <p:par>
+        <p:cTn id="1" dur="indefinite" restart="never" nodeType="tmRoot"/>
+      </p:par>
+    </p:tnLst>
+  </p:timing>
+</p:sld>
+</file>
+
+<file path=ppt/slides/slide14.xml><?xml version="1.0" encoding="utf-8"?>
+<p:sld xmlns:a="http://schemas.openxmlformats.org/drawingml/2006/main" xmlns:r="http://schemas.openxmlformats.org/officeDocument/2006/relationships" xmlns:p="http://schemas.openxmlformats.org/presentationml/2006/main">
+  <p:cSld>
+    <p:spTree>
+      <p:nvGrpSpPr>
+        <p:cNvPr id="1" name=""/>
+        <p:cNvGrpSpPr/>
+        <p:nvPr/>
+      </p:nvGrpSpPr>
+      <p:grpSpPr>
+        <a:xfrm>
+          <a:off x="0" y="0"/>
+          <a:ext cx="0" cy="0"/>
+          <a:chOff x="0" y="0"/>
+          <a:chExt cx="0" cy="0"/>
+        </a:xfrm>
+      </p:grpSpPr>
+      <p:sp>
+        <p:nvSpPr>
+          <p:cNvPr id="4" name="Title 3"/>
+          <p:cNvSpPr txBox="1">
+            <a:spLocks/>
+          </p:cNvSpPr>
+          <p:nvPr/>
+        </p:nvSpPr>
+        <p:spPr>
+          <a:xfrm>
+            <a:off x="609441" y="274639"/>
+            <a:ext cx="10969943" cy="711081"/>
+          </a:xfrm>
+          <a:prstGeom prst="rect">
+            <a:avLst/>
+          </a:prstGeom>
+        </p:spPr>
+        <p:txBody>
+          <a:bodyPr/>
+          <a:lstStyle>
+            <a:lvl1pPr algn="l" defTabSz="914400" rtl="0" eaLnBrk="1" latinLnBrk="0" hangingPunct="1">
+              <a:lnSpc>
+                <a:spcPct val="90000"/>
+              </a:lnSpc>
+              <a:spcBef>
+                <a:spcPct val="0"/>
+              </a:spcBef>
+              <a:buNone/>
+              <a:defRPr sz="4400" kern="1200">
+                <a:solidFill>
+                  <a:schemeClr val="tx1"/>
+                </a:solidFill>
+                <a:latin typeface="+mj-lt"/>
+                <a:ea typeface="+mj-ea"/>
+                <a:cs typeface="+mj-cs"/>
+              </a:defRPr>
+            </a:lvl1pPr>
+          </a:lstStyle>
+          <a:p>
+            <a:r>
+              <a:rPr lang="en-US" dirty="0" smtClean="0"/>
+              <a:t>Portal de Maestros (</a:t>
+            </a:r>
+            <a:r>
+              <a:rPr lang="en-US" dirty="0" err="1" smtClean="0"/>
+              <a:t>Subir</a:t>
+            </a:r>
+            <a:r>
+              <a:rPr lang="en-US" dirty="0" smtClean="0"/>
+              <a:t> </a:t>
+            </a:r>
+            <a:r>
+              <a:rPr lang="en-US" dirty="0" err="1" smtClean="0"/>
+              <a:t>calificaciones</a:t>
+            </a:r>
+            <a:r>
+              <a:rPr lang="en-US" dirty="0" smtClean="0"/>
+              <a:t>)</a:t>
+            </a:r>
+            <a:endParaRPr lang="en-US" dirty="0"/>
+          </a:p>
+        </p:txBody>
+      </p:sp>
+      <p:pic>
+        <p:nvPicPr>
+          <p:cNvPr id="2" name="Imagen 1"/>
+          <p:cNvPicPr>
+            <a:picLocks noChangeAspect="1"/>
+          </p:cNvPicPr>
+          <p:nvPr/>
+        </p:nvPicPr>
+        <p:blipFill>
+          <a:blip r:embed="rId2"/>
+          <a:stretch>
+            <a:fillRect/>
+          </a:stretch>
+        </p:blipFill>
+        <p:spPr>
+          <a:xfrm>
+            <a:off x="366304" y="985720"/>
+            <a:ext cx="6286500" cy="2743200"/>
+          </a:xfrm>
+          <a:prstGeom prst="rect">
+            <a:avLst/>
+          </a:prstGeom>
+        </p:spPr>
+      </p:pic>
+      <p:pic>
+        <p:nvPicPr>
+          <p:cNvPr id="6" name="Imagen 5"/>
+          <p:cNvPicPr>
+            <a:picLocks noChangeAspect="1"/>
+          </p:cNvPicPr>
+          <p:nvPr/>
+        </p:nvPicPr>
+        <p:blipFill>
+          <a:blip r:embed="rId3"/>
+          <a:stretch>
+            <a:fillRect/>
+          </a:stretch>
+        </p:blipFill>
+        <p:spPr>
+          <a:xfrm>
+            <a:off x="6557555" y="2636636"/>
+            <a:ext cx="5383802" cy="4025548"/>
+          </a:xfrm>
+          <a:prstGeom prst="rect">
+            <a:avLst/>
+          </a:prstGeom>
+        </p:spPr>
+      </p:pic>
+    </p:spTree>
+    <p:extLst>
+      <p:ext uri="{BB962C8B-B14F-4D97-AF65-F5344CB8AC3E}">
+        <p14:creationId xmlns:p14="http://schemas.microsoft.com/office/powerpoint/2010/main" val="3079774371"/>
+      </p:ext>
+    </p:extLst>
+  </p:cSld>
+  <p:clrMapOvr>
+    <a:masterClrMapping/>
+  </p:clrMapOvr>
+  <p:timing>
+    <p:tnLst>
+      <p:par>
+        <p:cTn id="1" dur="indefinite" restart="never" nodeType="tmRoot"/>
+      </p:par>
+    </p:tnLst>
+  </p:timing>
+</p:sld>
+</file>
+
+<file path=ppt/slides/slide15.xml><?xml version="1.0" encoding="utf-8"?>
+<p:sld xmlns:a="http://schemas.openxmlformats.org/drawingml/2006/main" xmlns:r="http://schemas.openxmlformats.org/officeDocument/2006/relationships" xmlns:p="http://schemas.openxmlformats.org/presentationml/2006/main">
+  <p:cSld>
+    <p:spTree>
+      <p:nvGrpSpPr>
+        <p:cNvPr id="1" name=""/>
+        <p:cNvGrpSpPr/>
+        <p:nvPr/>
+      </p:nvGrpSpPr>
+      <p:grpSpPr>
+        <a:xfrm>
+          <a:off x="0" y="0"/>
+          <a:ext cx="0" cy="0"/>
+          <a:chOff x="0" y="0"/>
+          <a:chExt cx="0" cy="0"/>
+        </a:xfrm>
+      </p:grpSpPr>
+      <p:sp>
+        <p:nvSpPr>
+          <p:cNvPr id="4" name="Title 3"/>
+          <p:cNvSpPr txBox="1">
+            <a:spLocks/>
+          </p:cNvSpPr>
+          <p:nvPr/>
+        </p:nvSpPr>
+        <p:spPr>
+          <a:xfrm>
+            <a:off x="609441" y="274639"/>
+            <a:ext cx="10969943" cy="711081"/>
+          </a:xfrm>
+          <a:prstGeom prst="rect">
+            <a:avLst/>
+          </a:prstGeom>
+        </p:spPr>
+        <p:txBody>
+          <a:bodyPr/>
+          <a:lstStyle>
+            <a:lvl1pPr algn="l" defTabSz="914400" rtl="0" eaLnBrk="1" latinLnBrk="0" hangingPunct="1">
+              <a:lnSpc>
+                <a:spcPct val="90000"/>
+              </a:lnSpc>
+              <a:spcBef>
+                <a:spcPct val="0"/>
+              </a:spcBef>
+              <a:buNone/>
+              <a:defRPr sz="4400" kern="1200">
+                <a:solidFill>
+                  <a:schemeClr val="tx1"/>
+                </a:solidFill>
+                <a:latin typeface="+mj-lt"/>
+                <a:ea typeface="+mj-ea"/>
+                <a:cs typeface="+mj-cs"/>
+              </a:defRPr>
+            </a:lvl1pPr>
+          </a:lstStyle>
+          <a:p>
+            <a:r>
+              <a:rPr lang="en-US" dirty="0" smtClean="0"/>
+              <a:t>Portal de </a:t>
+            </a:r>
+            <a:r>
+              <a:rPr lang="en-US" dirty="0" err="1" smtClean="0"/>
+              <a:t>Alumnos</a:t>
+            </a:r>
+            <a:r>
+              <a:rPr lang="en-US" dirty="0" smtClean="0"/>
+              <a:t> (</a:t>
+            </a:r>
+            <a:r>
+              <a:rPr lang="en-US" dirty="0" err="1" smtClean="0"/>
+              <a:t>Ver</a:t>
+            </a:r>
+            <a:r>
+              <a:rPr lang="en-US" dirty="0" smtClean="0"/>
+              <a:t> </a:t>
+            </a:r>
+            <a:r>
+              <a:rPr lang="en-US" dirty="0" err="1" smtClean="0"/>
+              <a:t>calificaciones</a:t>
+            </a:r>
+            <a:r>
+              <a:rPr lang="en-US" dirty="0" smtClean="0"/>
+              <a:t>)</a:t>
+            </a:r>
+            <a:endParaRPr lang="en-US" dirty="0"/>
+          </a:p>
+        </p:txBody>
+      </p:sp>
+      <p:pic>
+        <p:nvPicPr>
+          <p:cNvPr id="3" name="Imagen 2"/>
+          <p:cNvPicPr>
+            <a:picLocks noChangeAspect="1"/>
+          </p:cNvPicPr>
+          <p:nvPr/>
+        </p:nvPicPr>
+        <p:blipFill>
+          <a:blip r:embed="rId2"/>
+          <a:stretch>
+            <a:fillRect/>
+          </a:stretch>
+        </p:blipFill>
+        <p:spPr>
+          <a:xfrm>
+            <a:off x="781488" y="1612174"/>
+            <a:ext cx="10625847" cy="4305300"/>
+          </a:xfrm>
+          <a:prstGeom prst="rect">
+            <a:avLst/>
+          </a:prstGeom>
+        </p:spPr>
+      </p:pic>
+    </p:spTree>
+    <p:extLst>
+      <p:ext uri="{BB962C8B-B14F-4D97-AF65-F5344CB8AC3E}">
+        <p14:creationId xmlns:p14="http://schemas.microsoft.com/office/powerpoint/2010/main" val="828834007"/>
+      </p:ext>
+    </p:extLst>
+  </p:cSld>
+  <p:clrMapOvr>
+    <a:masterClrMapping/>
+  </p:clrMapOvr>
+  <p:timing>
+    <p:tnLst>
+      <p:par>
+        <p:cTn id="1" dur="indefinite" restart="never" nodeType="tmRoot"/>
+      </p:par>
+    </p:tnLst>
+  </p:timing>
+</p:sld>
+</file>
+
+<file path=ppt/slides/slide16.xml><?xml version="1.0" encoding="utf-8"?>
+<p:sld xmlns:a="http://schemas.openxmlformats.org/drawingml/2006/main" xmlns:r="http://schemas.openxmlformats.org/officeDocument/2006/relationships" xmlns:p="http://schemas.openxmlformats.org/presentationml/2006/main">
+  <p:cSld>
+    <p:spTree>
+      <p:nvGrpSpPr>
+        <p:cNvPr id="1" name=""/>
+        <p:cNvGrpSpPr/>
+        <p:nvPr/>
+      </p:nvGrpSpPr>
+      <p:grpSpPr>
+        <a:xfrm>
+          <a:off x="0" y="0"/>
+          <a:ext cx="0" cy="0"/>
+          <a:chOff x="0" y="0"/>
+          <a:chExt cx="0" cy="0"/>
+        </a:xfrm>
+      </p:grpSpPr>
+      <p:sp>
+        <p:nvSpPr>
+          <p:cNvPr id="4" name="Title 3"/>
+          <p:cNvSpPr txBox="1">
+            <a:spLocks/>
+          </p:cNvSpPr>
+          <p:nvPr/>
+        </p:nvSpPr>
+        <p:spPr>
+          <a:xfrm>
+            <a:off x="609441" y="274639"/>
+            <a:ext cx="10969943" cy="711081"/>
+          </a:xfrm>
+          <a:prstGeom prst="rect">
+            <a:avLst/>
+          </a:prstGeom>
+        </p:spPr>
+        <p:txBody>
+          <a:bodyPr/>
+          <a:lstStyle>
+            <a:lvl1pPr algn="l" defTabSz="914400" rtl="0" eaLnBrk="1" latinLnBrk="0" hangingPunct="1">
+              <a:lnSpc>
+                <a:spcPct val="90000"/>
+              </a:lnSpc>
+              <a:spcBef>
+                <a:spcPct val="0"/>
+              </a:spcBef>
+              <a:buNone/>
+              <a:defRPr sz="4400" kern="1200">
+                <a:solidFill>
+                  <a:schemeClr val="tx1"/>
+                </a:solidFill>
+                <a:latin typeface="+mj-lt"/>
+                <a:ea typeface="+mj-ea"/>
+                <a:cs typeface="+mj-cs"/>
+              </a:defRPr>
+            </a:lvl1pPr>
+          </a:lstStyle>
+          <a:p>
+            <a:r>
+              <a:rPr lang="en-US" dirty="0" err="1" smtClean="0"/>
+              <a:t>Reportes</a:t>
+            </a:r>
+            <a:r>
+              <a:rPr lang="en-US" dirty="0" smtClean="0"/>
+              <a:t> (</a:t>
+            </a:r>
+            <a:r>
+              <a:rPr lang="en-US" dirty="0" err="1" smtClean="0"/>
+              <a:t>Cardex</a:t>
+            </a:r>
+            <a:r>
+              <a:rPr lang="en-US" dirty="0" smtClean="0"/>
+              <a:t>, </a:t>
+            </a:r>
+            <a:r>
+              <a:rPr lang="en-US" dirty="0" err="1" smtClean="0"/>
+              <a:t>Boletas</a:t>
+            </a:r>
+            <a:r>
+              <a:rPr lang="en-US" dirty="0" smtClean="0"/>
+              <a:t> de </a:t>
+            </a:r>
+            <a:r>
+              <a:rPr lang="en-US" dirty="0" err="1" smtClean="0"/>
+              <a:t>Calificaciones</a:t>
+            </a:r>
+            <a:r>
+              <a:rPr lang="en-US" dirty="0" smtClean="0"/>
+              <a:t>)</a:t>
+            </a:r>
+            <a:endParaRPr lang="en-US" dirty="0"/>
+          </a:p>
+        </p:txBody>
+      </p:sp>
+      <p:pic>
+        <p:nvPicPr>
+          <p:cNvPr id="2" name="Imagen 1"/>
+          <p:cNvPicPr>
+            <a:picLocks noChangeAspect="1"/>
+          </p:cNvPicPr>
+          <p:nvPr/>
+        </p:nvPicPr>
+        <p:blipFill>
+          <a:blip r:embed="rId2"/>
+          <a:stretch>
+            <a:fillRect/>
+          </a:stretch>
+        </p:blipFill>
+        <p:spPr>
+          <a:xfrm>
+            <a:off x="609441" y="1431336"/>
+            <a:ext cx="4095750" cy="4752975"/>
+          </a:xfrm>
+          <a:prstGeom prst="rect">
+            <a:avLst/>
+          </a:prstGeom>
+        </p:spPr>
+      </p:pic>
+      <p:pic>
+        <p:nvPicPr>
+          <p:cNvPr id="5" name="Imagen 4"/>
+          <p:cNvPicPr>
+            <a:picLocks noChangeAspect="1"/>
+          </p:cNvPicPr>
+          <p:nvPr/>
+        </p:nvPicPr>
+        <p:blipFill>
+          <a:blip r:embed="rId3"/>
+          <a:stretch>
+            <a:fillRect/>
+          </a:stretch>
+        </p:blipFill>
+        <p:spPr>
+          <a:xfrm>
+            <a:off x="6495778" y="1431336"/>
+            <a:ext cx="4895850" cy="5048250"/>
+          </a:xfrm>
+          <a:prstGeom prst="rect">
+            <a:avLst/>
+          </a:prstGeom>
+        </p:spPr>
+      </p:pic>
+    </p:spTree>
+    <p:extLst>
+      <p:ext uri="{BB962C8B-B14F-4D97-AF65-F5344CB8AC3E}">
+        <p14:creationId xmlns:p14="http://schemas.microsoft.com/office/powerpoint/2010/main" val="2605146038"/>
+      </p:ext>
+    </p:extLst>
+  </p:cSld>
+  <p:clrMapOvr>
+    <a:masterClrMapping/>
+  </p:clrMapOvr>
+  <p:timing>
+    <p:tnLst>
+      <p:par>
+        <p:cTn id="1" dur="indefinite" restart="never" nodeType="tmRoot"/>
+      </p:par>
+    </p:tnLst>
+  </p:timing>
+</p:sld>
+</file>
+
+<file path=ppt/slides/slide17.xml><?xml version="1.0" encoding="utf-8"?>
+<p:sld xmlns:a="http://schemas.openxmlformats.org/drawingml/2006/main" xmlns:r="http://schemas.openxmlformats.org/officeDocument/2006/relationships" xmlns:p="http://schemas.openxmlformats.org/presentationml/2006/main">
+  <p:cSld>
+    <p:spTree>
+      <p:nvGrpSpPr>
+        <p:cNvPr id="1" name=""/>
+        <p:cNvGrpSpPr/>
+        <p:nvPr/>
+      </p:nvGrpSpPr>
+      <p:grpSpPr>
+        <a:xfrm>
+          <a:off x="0" y="0"/>
+          <a:ext cx="0" cy="0"/>
+          <a:chOff x="0" y="0"/>
+          <a:chExt cx="0" cy="0"/>
+        </a:xfrm>
+      </p:grpSpPr>
+      <p:sp>
+        <p:nvSpPr>
+          <p:cNvPr id="4" name="Title 3"/>
+          <p:cNvSpPr txBox="1">
+            <a:spLocks/>
+          </p:cNvSpPr>
+          <p:nvPr/>
+        </p:nvSpPr>
+        <p:spPr>
+          <a:xfrm>
+            <a:off x="609441" y="274639"/>
+            <a:ext cx="10969943" cy="711081"/>
+          </a:xfrm>
+          <a:prstGeom prst="rect">
+            <a:avLst/>
+          </a:prstGeom>
+        </p:spPr>
+        <p:txBody>
+          <a:bodyPr/>
+          <a:lstStyle>
+            <a:lvl1pPr algn="l" defTabSz="914400" rtl="0" eaLnBrk="1" latinLnBrk="0" hangingPunct="1">
+              <a:lnSpc>
+                <a:spcPct val="90000"/>
+              </a:lnSpc>
+              <a:spcBef>
+                <a:spcPct val="0"/>
+              </a:spcBef>
+              <a:buNone/>
+              <a:defRPr sz="4400" kern="1200">
+                <a:solidFill>
+                  <a:schemeClr val="tx1"/>
+                </a:solidFill>
+                <a:latin typeface="+mj-lt"/>
+                <a:ea typeface="+mj-ea"/>
+                <a:cs typeface="+mj-cs"/>
+              </a:defRPr>
+            </a:lvl1pPr>
+          </a:lstStyle>
+          <a:p>
+            <a:r>
+              <a:rPr lang="en-US" dirty="0" err="1" smtClean="0"/>
+              <a:t>Avance</a:t>
+            </a:r>
+            <a:r>
+              <a:rPr lang="en-US" dirty="0" smtClean="0"/>
+              <a:t> </a:t>
+            </a:r>
+            <a:r>
+              <a:rPr lang="en-US" dirty="0" err="1" smtClean="0"/>
+              <a:t>gráfico</a:t>
+            </a:r>
+            <a:r>
+              <a:rPr lang="en-US" dirty="0" smtClean="0"/>
+              <a:t> de </a:t>
+            </a:r>
+            <a:r>
+              <a:rPr lang="en-US" dirty="0" err="1" smtClean="0"/>
+              <a:t>alumnos</a:t>
+            </a:r>
+            <a:endParaRPr lang="en-US" dirty="0"/>
+          </a:p>
+        </p:txBody>
+      </p:sp>
+      <p:pic>
+        <p:nvPicPr>
+          <p:cNvPr id="3" name="Imagen 2"/>
+          <p:cNvPicPr>
+            <a:picLocks noChangeAspect="1"/>
+          </p:cNvPicPr>
+          <p:nvPr/>
+        </p:nvPicPr>
+        <p:blipFill>
+          <a:blip r:embed="rId2"/>
+          <a:stretch>
+            <a:fillRect/>
+          </a:stretch>
+        </p:blipFill>
+        <p:spPr>
+          <a:xfrm>
+            <a:off x="507138" y="1491478"/>
+            <a:ext cx="11389624" cy="4595813"/>
+          </a:xfrm>
+          <a:prstGeom prst="rect">
+            <a:avLst/>
+          </a:prstGeom>
+        </p:spPr>
+      </p:pic>
+    </p:spTree>
+    <p:extLst>
+      <p:ext uri="{BB962C8B-B14F-4D97-AF65-F5344CB8AC3E}">
+        <p14:creationId xmlns:p14="http://schemas.microsoft.com/office/powerpoint/2010/main" val="3707274091"/>
+      </p:ext>
+    </p:extLst>
+  </p:cSld>
+  <p:clrMapOvr>
+    <a:masterClrMapping/>
+  </p:clrMapOvr>
+  <p:timing>
+    <p:tnLst>
+      <p:par>
+        <p:cTn id="1" dur="indefinite" restart="never" nodeType="tmRoot"/>
+      </p:par>
+    </p:tnLst>
+  </p:timing>
+</p:sld>
+</file>
+
+<file path=ppt/slides/slide18.xml><?xml version="1.0" encoding="utf-8"?>
+<p:sld xmlns:a="http://schemas.openxmlformats.org/drawingml/2006/main" xmlns:r="http://schemas.openxmlformats.org/officeDocument/2006/relationships" xmlns:p="http://schemas.openxmlformats.org/presentationml/2006/main">
+  <p:cSld>
+    <p:spTree>
+      <p:nvGrpSpPr>
+        <p:cNvPr id="1" name=""/>
+        <p:cNvGrpSpPr/>
+        <p:nvPr/>
+      </p:nvGrpSpPr>
+      <p:grpSpPr>
+        <a:xfrm>
+          <a:off x="0" y="0"/>
+          <a:ext cx="0" cy="0"/>
+          <a:chOff x="0" y="0"/>
+          <a:chExt cx="0" cy="0"/>
+        </a:xfrm>
+      </p:grpSpPr>
+      <p:sp>
+        <p:nvSpPr>
+          <p:cNvPr id="2" name="Rectangle 1"/>
+          <p:cNvSpPr/>
+          <p:nvPr/>
+        </p:nvSpPr>
+        <p:spPr>
+          <a:xfrm>
+            <a:off x="0" y="1812966"/>
+            <a:ext cx="12192000" cy="2900694"/>
+          </a:xfrm>
+          <a:prstGeom prst="rect">
+            <a:avLst/>
+          </a:prstGeom>
+          <a:gradFill flip="none" rotWithShape="1">
+            <a:gsLst>
+              <a:gs pos="28000">
+                <a:schemeClr val="accent5"/>
+              </a:gs>
+              <a:gs pos="69000">
+                <a:schemeClr val="accent4">
+                  <a:lumMod val="95000"/>
+                  <a:lumOff val="5000"/>
+                </a:schemeClr>
+              </a:gs>
+              <a:gs pos="100000">
+                <a:schemeClr val="accent4"/>
+              </a:gs>
+            </a:gsLst>
+            <a:path path="circle">
+              <a:fillToRect l="100000" t="100000"/>
+            </a:path>
+            <a:tileRect r="-100000" b="-100000"/>
+          </a:gradFill>
+          <a:ln>
+            <a:noFill/>
+          </a:ln>
+        </p:spPr>
+        <p:style>
+          <a:lnRef idx="2">
+            <a:schemeClr val="accent5">
+              <a:shade val="50000"/>
+            </a:schemeClr>
+          </a:lnRef>
+          <a:fillRef idx="1">
+            <a:schemeClr val="accent5"/>
+          </a:fillRef>
+          <a:effectRef idx="0">
+            <a:schemeClr val="accent5"/>
+          </a:effectRef>
+          <a:fontRef idx="minor">
+            <a:schemeClr val="lt1"/>
+          </a:fontRef>
+        </p:style>
+        <p:txBody>
+          <a:bodyPr rtlCol="0" anchor="ctr"/>
+          <a:lstStyle/>
+          <a:p>
+            <a:pPr algn="ctr"/>
+            <a:endParaRPr lang="en-US"/>
+          </a:p>
+        </p:txBody>
+      </p:sp>
+      <p:sp>
+        <p:nvSpPr>
+          <p:cNvPr id="43" name="Rectangle 42"/>
+          <p:cNvSpPr/>
+          <p:nvPr/>
+        </p:nvSpPr>
+        <p:spPr>
+          <a:xfrm>
+            <a:off x="539294" y="2723665"/>
+            <a:ext cx="8554683" cy="646331"/>
+          </a:xfrm>
+          <a:prstGeom prst="rect">
+            <a:avLst/>
+          </a:prstGeom>
+        </p:spPr>
+        <p:txBody>
+          <a:bodyPr wrap="square">
+            <a:spAutoFit/>
+          </a:bodyPr>
+          <a:lstStyle/>
+          <a:p>
+            <a:pPr lvl="0"/>
+            <a:r>
+              <a:rPr lang="en-US" sz="3600" kern="0" dirty="0" err="1" smtClean="0">
+                <a:solidFill>
+                  <a:prstClr val="white"/>
+                </a:solidFill>
+                <a:latin typeface="Arial" pitchFamily="34" charset="0"/>
+                <a:cs typeface="Arial" pitchFamily="34" charset="0"/>
+              </a:rPr>
+              <a:t>Contactanos</a:t>
+            </a:r>
+            <a:endParaRPr lang="en-US" dirty="0">
+              <a:solidFill>
+                <a:prstClr val="white"/>
+              </a:solidFill>
+            </a:endParaRPr>
+          </a:p>
+        </p:txBody>
+      </p:sp>
+      <p:sp>
+        <p:nvSpPr>
+          <p:cNvPr id="44" name="Rectangle 43"/>
+          <p:cNvSpPr/>
+          <p:nvPr/>
+        </p:nvSpPr>
+        <p:spPr>
+          <a:xfrm>
+            <a:off x="6483685" y="2820983"/>
+            <a:ext cx="4990951" cy="821028"/>
+          </a:xfrm>
+          <a:prstGeom prst="rect">
+            <a:avLst/>
+          </a:prstGeom>
+          <a:noFill/>
+          <a:ln>
+            <a:noFill/>
+          </a:ln>
+        </p:spPr>
+        <p:style>
+          <a:lnRef idx="2">
+            <a:schemeClr val="accent1">
+              <a:shade val="50000"/>
+            </a:schemeClr>
+          </a:lnRef>
+          <a:fillRef idx="1">
+            <a:schemeClr val="accent1"/>
+          </a:fillRef>
+          <a:effectRef idx="0">
+            <a:schemeClr val="accent1"/>
+          </a:effectRef>
+          <a:fontRef idx="minor">
+            <a:schemeClr val="lt1"/>
+          </a:fontRef>
+        </p:style>
+        <p:txBody>
+          <a:bodyPr rtlCol="0" anchor="ctr"/>
+          <a:lstStyle/>
+          <a:p>
+            <a:pPr algn="ctr"/>
+            <a:r>
+              <a:rPr lang="en-US" sz="5400" spc="-300" dirty="0" smtClean="0">
+                <a:solidFill>
+                  <a:schemeClr val="bg1"/>
+                </a:solidFill>
+                <a:latin typeface="Arial" panose="020B0604020202020204" pitchFamily="34" charset="0"/>
+                <a:cs typeface="Arial" panose="020B0604020202020204" pitchFamily="34" charset="0"/>
+              </a:rPr>
+              <a:t>Gracias</a:t>
+            </a:r>
+            <a:endParaRPr lang="en-US" sz="5400" spc="-300" dirty="0">
+              <a:solidFill>
+                <a:schemeClr val="bg1"/>
+              </a:solidFill>
+              <a:latin typeface="Arial" panose="020B0604020202020204" pitchFamily="34" charset="0"/>
+              <a:cs typeface="Arial" panose="020B0604020202020204" pitchFamily="34" charset="0"/>
+            </a:endParaRPr>
+          </a:p>
+        </p:txBody>
+      </p:sp>
+      <p:pic>
+        <p:nvPicPr>
+          <p:cNvPr id="17" name="Picture 2" descr="Resultado de imagen para TELEFONO PNG"/>
+          <p:cNvPicPr>
+            <a:picLocks noChangeAspect="1" noChangeArrowheads="1"/>
+          </p:cNvPicPr>
+          <p:nvPr/>
+        </p:nvPicPr>
+        <p:blipFill>
+          <a:blip r:embed="rId2" cstate="print">
+            <a:extLst>
+              <a:ext uri="{28A0092B-C50C-407E-A947-70E740481C1C}">
+                <a14:useLocalDpi xmlns:a14="http://schemas.microsoft.com/office/drawing/2010/main" val="0"/>
+              </a:ext>
+            </a:extLst>
+          </a:blip>
+          <a:srcRect/>
+          <a:stretch>
+            <a:fillRect/>
+          </a:stretch>
+        </p:blipFill>
+        <p:spPr bwMode="auto">
+          <a:xfrm>
+            <a:off x="437913" y="4997530"/>
+            <a:ext cx="376195" cy="376196"/>
+          </a:xfrm>
+          <a:prstGeom prst="rect">
+            <a:avLst/>
+          </a:prstGeom>
+          <a:noFill/>
+          <a:extLst>
+            <a:ext uri="{909E8E84-426E-40DD-AFC4-6F175D3DCCD1}">
+              <a14:hiddenFill xmlns:a14="http://schemas.microsoft.com/office/drawing/2010/main">
+                <a:solidFill>
+                  <a:srgbClr val="FFFFFF"/>
+                </a:solidFill>
+              </a14:hiddenFill>
+            </a:ext>
+          </a:extLst>
+        </p:spPr>
+      </p:pic>
+      <p:pic>
+        <p:nvPicPr>
+          <p:cNvPr id="19" name="Picture 4" descr="Resultado de imagen para PAGINA WEB PNG"/>
+          <p:cNvPicPr>
+            <a:picLocks noChangeAspect="1" noChangeArrowheads="1"/>
+          </p:cNvPicPr>
+          <p:nvPr/>
+        </p:nvPicPr>
+        <p:blipFill>
+          <a:blip r:embed="rId3" cstate="print">
+            <a:extLst>
+              <a:ext uri="{28A0092B-C50C-407E-A947-70E740481C1C}">
+                <a14:useLocalDpi xmlns:a14="http://schemas.microsoft.com/office/drawing/2010/main" val="0"/>
+              </a:ext>
+            </a:extLst>
+          </a:blip>
+          <a:srcRect/>
+          <a:stretch>
+            <a:fillRect/>
+          </a:stretch>
+        </p:blipFill>
+        <p:spPr bwMode="auto">
+          <a:xfrm>
+            <a:off x="437913" y="5556076"/>
+            <a:ext cx="401782" cy="401782"/>
+          </a:xfrm>
+          <a:prstGeom prst="rect">
+            <a:avLst/>
+          </a:prstGeom>
+          <a:noFill/>
+          <a:extLst>
+            <a:ext uri="{909E8E84-426E-40DD-AFC4-6F175D3DCCD1}">
+              <a14:hiddenFill xmlns:a14="http://schemas.microsoft.com/office/drawing/2010/main">
+                <a:solidFill>
+                  <a:srgbClr val="FFFFFF"/>
+                </a:solidFill>
+              </a14:hiddenFill>
+            </a:ext>
+          </a:extLst>
+        </p:spPr>
+      </p:pic>
+      <p:pic>
+        <p:nvPicPr>
+          <p:cNvPr id="21" name="Picture 6" descr="Resultado de imagen para CORREO PNG"/>
+          <p:cNvPicPr>
+            <a:picLocks noChangeAspect="1" noChangeArrowheads="1"/>
+          </p:cNvPicPr>
+          <p:nvPr/>
+        </p:nvPicPr>
+        <p:blipFill>
+          <a:blip r:embed="rId4" cstate="print">
+            <a:extLst>
+              <a:ext uri="{28A0092B-C50C-407E-A947-70E740481C1C}">
+                <a14:useLocalDpi xmlns:a14="http://schemas.microsoft.com/office/drawing/2010/main" val="0"/>
+              </a:ext>
+            </a:extLst>
+          </a:blip>
+          <a:srcRect/>
+          <a:stretch>
+            <a:fillRect/>
+          </a:stretch>
+        </p:blipFill>
+        <p:spPr bwMode="auto">
+          <a:xfrm>
+            <a:off x="393838" y="6137982"/>
+            <a:ext cx="464343" cy="464343"/>
+          </a:xfrm>
+          <a:prstGeom prst="rect">
+            <a:avLst/>
+          </a:prstGeom>
+          <a:noFill/>
+          <a:extLst>
+            <a:ext uri="{909E8E84-426E-40DD-AFC4-6F175D3DCCD1}">
+              <a14:hiddenFill xmlns:a14="http://schemas.microsoft.com/office/drawing/2010/main">
+                <a:solidFill>
+                  <a:srgbClr val="FFFFFF"/>
+                </a:solidFill>
+              </a14:hiddenFill>
+            </a:ext>
+          </a:extLst>
+        </p:spPr>
+      </p:pic>
+      <p:sp>
+        <p:nvSpPr>
+          <p:cNvPr id="23" name="TextBox 41"/>
+          <p:cNvSpPr txBox="1"/>
+          <p:nvPr/>
+        </p:nvSpPr>
+        <p:spPr>
+          <a:xfrm>
+            <a:off x="998874" y="4974916"/>
+            <a:ext cx="5075375" cy="400110"/>
+          </a:xfrm>
+          <a:prstGeom prst="rect">
+            <a:avLst/>
+          </a:prstGeom>
+          <a:noFill/>
+        </p:spPr>
+        <p:txBody>
+          <a:bodyPr wrap="square" rtlCol="0">
+            <a:spAutoFit/>
+          </a:bodyPr>
+          <a:lstStyle/>
+          <a:p>
+            <a:pPr algn="just"/>
+            <a:r>
+              <a:rPr lang="en-US" sz="2000" dirty="0">
+                <a:solidFill>
+                  <a:schemeClr val="tx1">
+                    <a:lumMod val="50000"/>
+                    <a:lumOff val="50000"/>
+                  </a:schemeClr>
+                </a:solidFill>
+                <a:latin typeface="Open Sans" panose="020B0606030504020204" pitchFamily="34" charset="0"/>
+              </a:rPr>
+              <a:t>993 275 </a:t>
+            </a:r>
+            <a:r>
+              <a:rPr lang="en-US" sz="2000" dirty="0" smtClean="0">
+                <a:solidFill>
+                  <a:schemeClr val="tx1">
+                    <a:lumMod val="50000"/>
+                    <a:lumOff val="50000"/>
+                  </a:schemeClr>
+                </a:solidFill>
+                <a:latin typeface="Open Sans" panose="020B0606030504020204" pitchFamily="34" charset="0"/>
+              </a:rPr>
+              <a:t>4105; 9933000870</a:t>
+            </a:r>
+            <a:endParaRPr lang="en-US" sz="2000" dirty="0">
+              <a:solidFill>
+                <a:schemeClr val="tx1">
+                  <a:lumMod val="50000"/>
+                  <a:lumOff val="50000"/>
+                </a:schemeClr>
+              </a:solidFill>
+              <a:latin typeface="Open Sans" panose="020B0606030504020204" pitchFamily="34" charset="0"/>
+            </a:endParaRPr>
+          </a:p>
+        </p:txBody>
+      </p:sp>
+      <p:sp>
+        <p:nvSpPr>
+          <p:cNvPr id="24" name="TextBox 41"/>
+          <p:cNvSpPr txBox="1"/>
+          <p:nvPr/>
+        </p:nvSpPr>
+        <p:spPr>
+          <a:xfrm>
+            <a:off x="1029051" y="5530715"/>
+            <a:ext cx="5075375" cy="400110"/>
+          </a:xfrm>
+          <a:prstGeom prst="rect">
+            <a:avLst/>
+          </a:prstGeom>
+          <a:noFill/>
+        </p:spPr>
+        <p:txBody>
+          <a:bodyPr wrap="square" rtlCol="0">
+            <a:spAutoFit/>
+          </a:bodyPr>
+          <a:lstStyle/>
+          <a:p>
+            <a:pPr algn="just"/>
+            <a:r>
+              <a:rPr lang="en-US" sz="2000" dirty="0" smtClean="0">
+                <a:solidFill>
+                  <a:schemeClr val="tx1">
+                    <a:lumMod val="50000"/>
+                    <a:lumOff val="50000"/>
+                  </a:schemeClr>
+                </a:solidFill>
+                <a:latin typeface="Open Sans" panose="020B0606030504020204" pitchFamily="34" charset="0"/>
+              </a:rPr>
+              <a:t>https</a:t>
+            </a:r>
+            <a:r>
+              <a:rPr lang="en-US" sz="2000" dirty="0">
+                <a:solidFill>
+                  <a:schemeClr val="tx1">
+                    <a:lumMod val="50000"/>
+                    <a:lumOff val="50000"/>
+                  </a:schemeClr>
+                </a:solidFill>
+                <a:latin typeface="Open Sans" panose="020B0606030504020204" pitchFamily="34" charset="0"/>
+              </a:rPr>
+              <a:t>://www.webcoretic.com</a:t>
+            </a:r>
+            <a:r>
+              <a:rPr lang="en-US" sz="2000" dirty="0" smtClean="0">
+                <a:solidFill>
+                  <a:schemeClr val="tx1">
+                    <a:lumMod val="50000"/>
+                    <a:lumOff val="50000"/>
+                  </a:schemeClr>
+                </a:solidFill>
+                <a:latin typeface="Open Sans" panose="020B0606030504020204" pitchFamily="34" charset="0"/>
+              </a:rPr>
+              <a:t>/</a:t>
+            </a:r>
+            <a:endParaRPr lang="en-US" sz="2000" dirty="0">
+              <a:solidFill>
+                <a:schemeClr val="tx1">
+                  <a:lumMod val="50000"/>
+                  <a:lumOff val="50000"/>
+                </a:schemeClr>
+              </a:solidFill>
+              <a:latin typeface="Open Sans" panose="020B0606030504020204" pitchFamily="34" charset="0"/>
+            </a:endParaRPr>
+          </a:p>
+        </p:txBody>
+      </p:sp>
+      <p:sp>
+        <p:nvSpPr>
+          <p:cNvPr id="25" name="TextBox 41"/>
+          <p:cNvSpPr txBox="1"/>
+          <p:nvPr/>
+        </p:nvSpPr>
+        <p:spPr>
+          <a:xfrm>
+            <a:off x="1062999" y="6116818"/>
+            <a:ext cx="5075375" cy="400110"/>
+          </a:xfrm>
+          <a:prstGeom prst="rect">
+            <a:avLst/>
+          </a:prstGeom>
+          <a:noFill/>
+        </p:spPr>
+        <p:txBody>
+          <a:bodyPr wrap="square" rtlCol="0">
+            <a:spAutoFit/>
+          </a:bodyPr>
+          <a:lstStyle/>
+          <a:p>
+            <a:pPr algn="just"/>
+            <a:r>
+              <a:rPr lang="en-US" sz="2000" dirty="0" smtClean="0">
+                <a:solidFill>
+                  <a:schemeClr val="tx1">
+                    <a:lumMod val="50000"/>
+                    <a:lumOff val="50000"/>
+                  </a:schemeClr>
+                </a:solidFill>
+                <a:latin typeface="Open Sans" panose="020B0606030504020204" pitchFamily="34" charset="0"/>
+                <a:hlinkClick r:id="rId5"/>
+              </a:rPr>
+              <a:t>jgaguilar40@gmail.com</a:t>
+            </a:r>
+            <a:r>
+              <a:rPr lang="en-US" sz="2000" dirty="0" smtClean="0">
+                <a:solidFill>
+                  <a:schemeClr val="tx1">
+                    <a:lumMod val="50000"/>
+                    <a:lumOff val="50000"/>
+                  </a:schemeClr>
+                </a:solidFill>
+                <a:latin typeface="Open Sans" panose="020B0606030504020204" pitchFamily="34" charset="0"/>
+              </a:rPr>
+              <a:t>; </a:t>
+            </a:r>
+            <a:endParaRPr lang="en-US" sz="2000" dirty="0">
+              <a:solidFill>
+                <a:schemeClr val="tx1">
+                  <a:lumMod val="50000"/>
+                  <a:lumOff val="50000"/>
+                </a:schemeClr>
+              </a:solidFill>
+              <a:latin typeface="Open Sans" panose="020B0606030504020204" pitchFamily="34" charset="0"/>
+            </a:endParaRPr>
+          </a:p>
+        </p:txBody>
+      </p:sp>
+    </p:spTree>
+    <p:extLst>
+      <p:ext uri="{BB962C8B-B14F-4D97-AF65-F5344CB8AC3E}">
+        <p14:creationId xmlns:p14="http://schemas.microsoft.com/office/powerpoint/2010/main" val="2190770721"/>
+      </p:ext>
+    </p:extLst>
+  </p:cSld>
+  <p:clrMapOvr>
+    <a:masterClrMapping/>
+  </p:clrMapOvr>
+  <p:timing>
+    <p:tnLst>
+      <p:par>
+        <p:cTn id="1" dur="indefinite" restart="never" nodeType="tmRoot"/>
+      </p:par>
+    </p:tnLst>
+  </p:timing>
+</p:sld>
+</file>
+
 <file path=ppt/slides/slide2.xml><?xml version="1.0" encoding="utf-8"?>
 <p:sld xmlns:a="http://schemas.openxmlformats.org/drawingml/2006/main" xmlns:r="http://schemas.openxmlformats.org/officeDocument/2006/relationships" xmlns:p="http://schemas.openxmlformats.org/presentationml/2006/main">
   <p:cSld>
@@ -6351,17 +7977,7 @@
                       <a:latin typeface="Arial" pitchFamily="34" charset="0"/>
                       <a:cs typeface="Arial" pitchFamily="34" charset="0"/>
                     </a:rPr>
-                    <a:t> web</a:t>
-                  </a:r>
-                  <a:r>
-                    <a:rPr lang="en-US" sz="1600" kern="0" dirty="0" smtClean="0">
-                      <a:solidFill>
-                        <a:schemeClr val="bg1"/>
-                      </a:solidFill>
-                      <a:latin typeface="Arial" pitchFamily="34" charset="0"/>
-                      <a:cs typeface="Arial" pitchFamily="34" charset="0"/>
-                    </a:rPr>
-                    <a:t>.</a:t>
+                    <a:t> web.</a:t>
                   </a:r>
                   <a:endParaRPr lang="en-US" sz="1600" dirty="0">
                     <a:solidFill>
@@ -10440,10 +12056,6 @@
                   </a:rPr>
                   <a:t>.</a:t>
                 </a:r>
-                <a:endParaRPr lang="en-US" dirty="0">
-                  <a:latin typeface="Arial" panose="020B0604020202020204" pitchFamily="34" charset="0"/>
-                  <a:cs typeface="Arial" panose="020B0604020202020204" pitchFamily="34" charset="0"/>
-                </a:endParaRPr>
               </a:p>
             </p:txBody>
           </p:sp>
@@ -13489,21 +15101,7 @@
                 <a:ea typeface="Calibri Light" charset="0"/>
                 <a:cs typeface="Calibri Light" charset="0"/>
               </a:rPr>
-              <a:t>Gesti</a:t>
-            </a:r>
-            <a:r>
-              <a:rPr lang="en-US" sz="2000" b="1" dirty="0" err="1" smtClean="0">
-                <a:solidFill>
-                  <a:schemeClr val="tx1">
-                    <a:lumMod val="75000"/>
-                    <a:lumOff val="25000"/>
-                  </a:schemeClr>
-                </a:solidFill>
-                <a:latin typeface="Calibri Light" charset="0"/>
-                <a:ea typeface="Calibri Light" charset="0"/>
-                <a:cs typeface="Calibri Light" charset="0"/>
-              </a:rPr>
-              <a:t>ón</a:t>
+              <a:t>Gestión</a:t>
             </a:r>
             <a:r>
               <a:rPr lang="en-US" sz="2000" b="1" dirty="0" smtClean="0">
@@ -47145,486 +48743,121 @@
           <a:chExt cx="0" cy="0"/>
         </a:xfrm>
       </p:grpSpPr>
+      <p:pic>
+        <p:nvPicPr>
+          <p:cNvPr id="3" name="Imagen 2"/>
+          <p:cNvPicPr>
+            <a:picLocks noChangeAspect="1"/>
+          </p:cNvPicPr>
+          <p:nvPr/>
+        </p:nvPicPr>
+        <p:blipFill>
+          <a:blip r:embed="rId2"/>
+          <a:stretch>
+            <a:fillRect/>
+          </a:stretch>
+        </p:blipFill>
+        <p:spPr>
+          <a:xfrm>
+            <a:off x="609441" y="985720"/>
+            <a:ext cx="9266079" cy="3440713"/>
+          </a:xfrm>
+          <a:prstGeom prst="rect">
+            <a:avLst/>
+          </a:prstGeom>
+        </p:spPr>
+      </p:pic>
       <p:sp>
         <p:nvSpPr>
-          <p:cNvPr id="2" name="Rectangle 1"/>
-          <p:cNvSpPr/>
+          <p:cNvPr id="4" name="Title 3"/>
+          <p:cNvSpPr txBox="1">
+            <a:spLocks/>
+          </p:cNvSpPr>
           <p:nvPr/>
         </p:nvSpPr>
         <p:spPr>
           <a:xfrm>
-            <a:off x="0" y="1812966"/>
-            <a:ext cx="12192000" cy="2900694"/>
-          </a:xfrm>
-          <a:prstGeom prst="rect">
-            <a:avLst/>
-          </a:prstGeom>
-          <a:gradFill flip="none" rotWithShape="1">
-            <a:gsLst>
-              <a:gs pos="28000">
-                <a:schemeClr val="accent5"/>
-              </a:gs>
-              <a:gs pos="69000">
-                <a:schemeClr val="accent4">
-                  <a:lumMod val="95000"/>
-                  <a:lumOff val="5000"/>
-                </a:schemeClr>
-              </a:gs>
-              <a:gs pos="100000">
-                <a:schemeClr val="accent4"/>
-              </a:gs>
-            </a:gsLst>
-            <a:path path="circle">
-              <a:fillToRect l="100000" t="100000"/>
-            </a:path>
-            <a:tileRect r="-100000" b="-100000"/>
-          </a:gradFill>
-          <a:ln>
-            <a:noFill/>
-          </a:ln>
-        </p:spPr>
-        <p:style>
-          <a:lnRef idx="2">
-            <a:schemeClr val="accent5">
-              <a:shade val="50000"/>
-            </a:schemeClr>
-          </a:lnRef>
-          <a:fillRef idx="1">
-            <a:schemeClr val="accent5"/>
-          </a:fillRef>
-          <a:effectRef idx="0">
-            <a:schemeClr val="accent5"/>
-          </a:effectRef>
-          <a:fontRef idx="minor">
-            <a:schemeClr val="lt1"/>
-          </a:fontRef>
-        </p:style>
-        <p:txBody>
-          <a:bodyPr rtlCol="0" anchor="ctr"/>
-          <a:lstStyle/>
-          <a:p>
-            <a:pPr algn="ctr"/>
-            <a:endParaRPr lang="en-US"/>
-          </a:p>
-        </p:txBody>
-      </p:sp>
-      <p:sp>
-        <p:nvSpPr>
-          <p:cNvPr id="43" name="Rectangle 42"/>
-          <p:cNvSpPr/>
-          <p:nvPr/>
-        </p:nvSpPr>
-        <p:spPr>
-          <a:xfrm>
-            <a:off x="539294" y="2723665"/>
-            <a:ext cx="8554683" cy="646331"/>
+            <a:off x="609441" y="274639"/>
+            <a:ext cx="10969943" cy="711081"/>
           </a:xfrm>
           <a:prstGeom prst="rect">
             <a:avLst/>
           </a:prstGeom>
         </p:spPr>
         <p:txBody>
-          <a:bodyPr wrap="square">
-            <a:spAutoFit/>
-          </a:bodyPr>
-          <a:lstStyle/>
+          <a:bodyPr/>
+          <a:lstStyle>
+            <a:lvl1pPr algn="l" defTabSz="914400" rtl="0" eaLnBrk="1" latinLnBrk="0" hangingPunct="1">
+              <a:lnSpc>
+                <a:spcPct val="90000"/>
+              </a:lnSpc>
+              <a:spcBef>
+                <a:spcPct val="0"/>
+              </a:spcBef>
+              <a:buNone/>
+              <a:defRPr sz="4400" kern="1200">
+                <a:solidFill>
+                  <a:schemeClr val="tx1"/>
+                </a:solidFill>
+                <a:latin typeface="+mj-lt"/>
+                <a:ea typeface="+mj-ea"/>
+                <a:cs typeface="+mj-cs"/>
+              </a:defRPr>
+            </a:lvl1pPr>
+          </a:lstStyle>
           <a:p>
-            <a:pPr lvl="0"/>
             <a:r>
-              <a:rPr lang="en-US" sz="3600" kern="0" dirty="0" err="1" smtClean="0">
-                <a:solidFill>
-                  <a:prstClr val="white"/>
-                </a:solidFill>
-                <a:latin typeface="Arial" pitchFamily="34" charset="0"/>
-                <a:cs typeface="Arial" pitchFamily="34" charset="0"/>
-              </a:rPr>
-              <a:t>Contactanos</a:t>
+              <a:rPr lang="en-US" dirty="0" err="1" smtClean="0"/>
+              <a:t>Visualización</a:t>
             </a:r>
-            <a:endParaRPr lang="en-US" dirty="0">
-              <a:solidFill>
-                <a:prstClr val="white"/>
-              </a:solidFill>
-            </a:endParaRPr>
-          </a:p>
-        </p:txBody>
-      </p:sp>
-      <p:sp>
-        <p:nvSpPr>
-          <p:cNvPr id="44" name="Rectangle 43"/>
-          <p:cNvSpPr/>
-          <p:nvPr/>
-        </p:nvSpPr>
-        <p:spPr>
-          <a:xfrm>
-            <a:off x="6483685" y="2820983"/>
-            <a:ext cx="4990951" cy="821028"/>
-          </a:xfrm>
-          <a:prstGeom prst="rect">
-            <a:avLst/>
-          </a:prstGeom>
-          <a:noFill/>
-          <a:ln>
-            <a:noFill/>
-          </a:ln>
-        </p:spPr>
-        <p:style>
-          <a:lnRef idx="2">
-            <a:schemeClr val="accent1">
-              <a:shade val="50000"/>
-            </a:schemeClr>
-          </a:lnRef>
-          <a:fillRef idx="1">
-            <a:schemeClr val="accent1"/>
-          </a:fillRef>
-          <a:effectRef idx="0">
-            <a:schemeClr val="accent1"/>
-          </a:effectRef>
-          <a:fontRef idx="minor">
-            <a:schemeClr val="lt1"/>
-          </a:fontRef>
-        </p:style>
-        <p:txBody>
-          <a:bodyPr rtlCol="0" anchor="ctr"/>
-          <a:lstStyle/>
-          <a:p>
-            <a:pPr algn="ctr"/>
             <a:r>
-              <a:rPr lang="en-US" sz="5400" spc="-300" dirty="0" smtClean="0">
-                <a:solidFill>
-                  <a:schemeClr val="bg1"/>
-                </a:solidFill>
-                <a:latin typeface="Arial" panose="020B0604020202020204" pitchFamily="34" charset="0"/>
-                <a:cs typeface="Arial" panose="020B0604020202020204" pitchFamily="34" charset="0"/>
-              </a:rPr>
-              <a:t>Gracias</a:t>
+              <a:rPr lang="en-US" dirty="0" smtClean="0"/>
+              <a:t> de </a:t>
             </a:r>
-            <a:endParaRPr lang="en-US" sz="5400" spc="-300" dirty="0">
-              <a:solidFill>
-                <a:schemeClr val="bg1"/>
-              </a:solidFill>
-              <a:latin typeface="Arial" panose="020B0604020202020204" pitchFamily="34" charset="0"/>
-              <a:cs typeface="Arial" panose="020B0604020202020204" pitchFamily="34" charset="0"/>
-            </a:endParaRPr>
+            <a:r>
+              <a:rPr lang="en-US" dirty="0" err="1" smtClean="0"/>
+              <a:t>información</a:t>
+            </a:r>
+            <a:r>
+              <a:rPr lang="en-US" dirty="0" smtClean="0"/>
+              <a:t> de </a:t>
+            </a:r>
+            <a:r>
+              <a:rPr lang="en-US" dirty="0" err="1" smtClean="0"/>
+              <a:t>alumno</a:t>
+            </a:r>
+            <a:endParaRPr lang="en-US" dirty="0"/>
           </a:p>
         </p:txBody>
       </p:sp>
       <p:pic>
         <p:nvPicPr>
-          <p:cNvPr id="17" name="Picture 2" descr="Resultado de imagen para TELEFONO PNG"/>
+          <p:cNvPr id="5" name="Imagen 4"/>
           <p:cNvPicPr>
-            <a:picLocks noChangeAspect="1" noChangeArrowheads="1"/>
+            <a:picLocks noChangeAspect="1"/>
           </p:cNvPicPr>
           <p:nvPr/>
         </p:nvPicPr>
         <p:blipFill>
-          <a:blip r:embed="rId2" cstate="print">
-            <a:extLst>
-              <a:ext uri="{28A0092B-C50C-407E-A947-70E740481C1C}">
-                <a14:useLocalDpi xmlns:a14="http://schemas.microsoft.com/office/drawing/2010/main" val="0"/>
-              </a:ext>
-            </a:extLst>
-          </a:blip>
-          <a:srcRect/>
+          <a:blip r:embed="rId3"/>
           <a:stretch>
             <a:fillRect/>
           </a:stretch>
         </p:blipFill>
-        <p:spPr bwMode="auto">
+        <p:spPr>
           <a:xfrm>
-            <a:off x="437913" y="4997530"/>
-            <a:ext cx="376195" cy="376196"/>
+            <a:off x="3461328" y="3007723"/>
+            <a:ext cx="8730672" cy="3850277"/>
           </a:xfrm>
           <a:prstGeom prst="rect">
             <a:avLst/>
           </a:prstGeom>
-          <a:noFill/>
-          <a:extLst>
-            <a:ext uri="{909E8E84-426E-40DD-AFC4-6F175D3DCCD1}">
-              <a14:hiddenFill xmlns:a14="http://schemas.microsoft.com/office/drawing/2010/main">
-                <a:solidFill>
-                  <a:srgbClr val="FFFFFF"/>
-                </a:solidFill>
-              </a14:hiddenFill>
-            </a:ext>
-          </a:extLst>
         </p:spPr>
       </p:pic>
-      <p:pic>
-        <p:nvPicPr>
-          <p:cNvPr id="19" name="Picture 4" descr="Resultado de imagen para PAGINA WEB PNG"/>
-          <p:cNvPicPr>
-            <a:picLocks noChangeAspect="1" noChangeArrowheads="1"/>
-          </p:cNvPicPr>
-          <p:nvPr/>
-        </p:nvPicPr>
-        <p:blipFill>
-          <a:blip r:embed="rId3" cstate="print">
-            <a:extLst>
-              <a:ext uri="{28A0092B-C50C-407E-A947-70E740481C1C}">
-                <a14:useLocalDpi xmlns:a14="http://schemas.microsoft.com/office/drawing/2010/main" val="0"/>
-              </a:ext>
-            </a:extLst>
-          </a:blip>
-          <a:srcRect/>
-          <a:stretch>
-            <a:fillRect/>
-          </a:stretch>
-        </p:blipFill>
-        <p:spPr bwMode="auto">
-          <a:xfrm>
-            <a:off x="437913" y="5556076"/>
-            <a:ext cx="401782" cy="401782"/>
-          </a:xfrm>
-          <a:prstGeom prst="rect">
-            <a:avLst/>
-          </a:prstGeom>
-          <a:noFill/>
-          <a:extLst>
-            <a:ext uri="{909E8E84-426E-40DD-AFC4-6F175D3DCCD1}">
-              <a14:hiddenFill xmlns:a14="http://schemas.microsoft.com/office/drawing/2010/main">
-                <a:solidFill>
-                  <a:srgbClr val="FFFFFF"/>
-                </a:solidFill>
-              </a14:hiddenFill>
-            </a:ext>
-          </a:extLst>
-        </p:spPr>
-      </p:pic>
-      <p:pic>
-        <p:nvPicPr>
-          <p:cNvPr id="21" name="Picture 6" descr="Resultado de imagen para CORREO PNG"/>
-          <p:cNvPicPr>
-            <a:picLocks noChangeAspect="1" noChangeArrowheads="1"/>
-          </p:cNvPicPr>
-          <p:nvPr/>
-        </p:nvPicPr>
-        <p:blipFill>
-          <a:blip r:embed="rId4" cstate="print">
-            <a:extLst>
-              <a:ext uri="{28A0092B-C50C-407E-A947-70E740481C1C}">
-                <a14:useLocalDpi xmlns:a14="http://schemas.microsoft.com/office/drawing/2010/main" val="0"/>
-              </a:ext>
-            </a:extLst>
-          </a:blip>
-          <a:srcRect/>
-          <a:stretch>
-            <a:fillRect/>
-          </a:stretch>
-        </p:blipFill>
-        <p:spPr bwMode="auto">
-          <a:xfrm>
-            <a:off x="393838" y="6137982"/>
-            <a:ext cx="464343" cy="464343"/>
-          </a:xfrm>
-          <a:prstGeom prst="rect">
-            <a:avLst/>
-          </a:prstGeom>
-          <a:noFill/>
-          <a:extLst>
-            <a:ext uri="{909E8E84-426E-40DD-AFC4-6F175D3DCCD1}">
-              <a14:hiddenFill xmlns:a14="http://schemas.microsoft.com/office/drawing/2010/main">
-                <a:solidFill>
-                  <a:srgbClr val="FFFFFF"/>
-                </a:solidFill>
-              </a14:hiddenFill>
-            </a:ext>
-          </a:extLst>
-        </p:spPr>
-      </p:pic>
-      <p:sp>
-        <p:nvSpPr>
-          <p:cNvPr id="23" name="TextBox 41"/>
-          <p:cNvSpPr txBox="1"/>
-          <p:nvPr/>
-        </p:nvSpPr>
-        <p:spPr>
-          <a:xfrm>
-            <a:off x="998874" y="4974916"/>
-            <a:ext cx="5075375" cy="400110"/>
-          </a:xfrm>
-          <a:prstGeom prst="rect">
-            <a:avLst/>
-          </a:prstGeom>
-          <a:noFill/>
-        </p:spPr>
-        <p:txBody>
-          <a:bodyPr wrap="square" rtlCol="0">
-            <a:spAutoFit/>
-          </a:bodyPr>
-          <a:lstStyle/>
-          <a:p>
-            <a:pPr algn="just"/>
-            <a:r>
-              <a:rPr lang="en-US" sz="2000" dirty="0">
-                <a:solidFill>
-                  <a:schemeClr val="tx1">
-                    <a:lumMod val="50000"/>
-                    <a:lumOff val="50000"/>
-                  </a:schemeClr>
-                </a:solidFill>
-                <a:latin typeface="Open Sans" panose="020B0606030504020204" pitchFamily="34" charset="0"/>
-              </a:rPr>
-              <a:t>993 275 </a:t>
-            </a:r>
-            <a:r>
-              <a:rPr lang="en-US" sz="2000" dirty="0" smtClean="0">
-                <a:solidFill>
-                  <a:schemeClr val="tx1">
-                    <a:lumMod val="50000"/>
-                    <a:lumOff val="50000"/>
-                  </a:schemeClr>
-                </a:solidFill>
-                <a:latin typeface="Open Sans" panose="020B0606030504020204" pitchFamily="34" charset="0"/>
-              </a:rPr>
-              <a:t>4105; 9933000870</a:t>
-            </a:r>
-            <a:endParaRPr lang="en-US" sz="2000" dirty="0">
-              <a:solidFill>
-                <a:schemeClr val="tx1">
-                  <a:lumMod val="50000"/>
-                  <a:lumOff val="50000"/>
-                </a:schemeClr>
-              </a:solidFill>
-              <a:latin typeface="Open Sans" panose="020B0606030504020204" pitchFamily="34" charset="0"/>
-            </a:endParaRPr>
-          </a:p>
-        </p:txBody>
-      </p:sp>
-      <p:sp>
-        <p:nvSpPr>
-          <p:cNvPr id="24" name="TextBox 41"/>
-          <p:cNvSpPr txBox="1"/>
-          <p:nvPr/>
-        </p:nvSpPr>
-        <p:spPr>
-          <a:xfrm>
-            <a:off x="1029051" y="5530715"/>
-            <a:ext cx="5075375" cy="400110"/>
-          </a:xfrm>
-          <a:prstGeom prst="rect">
-            <a:avLst/>
-          </a:prstGeom>
-          <a:noFill/>
-        </p:spPr>
-        <p:txBody>
-          <a:bodyPr wrap="square" rtlCol="0">
-            <a:spAutoFit/>
-          </a:bodyPr>
-          <a:lstStyle/>
-          <a:p>
-            <a:pPr algn="just"/>
-            <a:r>
-              <a:rPr lang="en-US" sz="2000" dirty="0" smtClean="0">
-                <a:solidFill>
-                  <a:schemeClr val="tx1">
-                    <a:lumMod val="50000"/>
-                    <a:lumOff val="50000"/>
-                  </a:schemeClr>
-                </a:solidFill>
-                <a:latin typeface="Open Sans" panose="020B0606030504020204" pitchFamily="34" charset="0"/>
-              </a:rPr>
-              <a:t>https</a:t>
-            </a:r>
-            <a:r>
-              <a:rPr lang="en-US" sz="2000" dirty="0">
-                <a:solidFill>
-                  <a:schemeClr val="tx1">
-                    <a:lumMod val="50000"/>
-                    <a:lumOff val="50000"/>
-                  </a:schemeClr>
-                </a:solidFill>
-                <a:latin typeface="Open Sans" panose="020B0606030504020204" pitchFamily="34" charset="0"/>
-              </a:rPr>
-              <a:t>://www.webcoretic.com</a:t>
-            </a:r>
-            <a:r>
-              <a:rPr lang="en-US" sz="2000" dirty="0" smtClean="0">
-                <a:solidFill>
-                  <a:schemeClr val="tx1">
-                    <a:lumMod val="50000"/>
-                    <a:lumOff val="50000"/>
-                  </a:schemeClr>
-                </a:solidFill>
-                <a:latin typeface="Open Sans" panose="020B0606030504020204" pitchFamily="34" charset="0"/>
-              </a:rPr>
-              <a:t>/</a:t>
-            </a:r>
-            <a:endParaRPr lang="en-US" sz="2000" dirty="0">
-              <a:solidFill>
-                <a:schemeClr val="tx1">
-                  <a:lumMod val="50000"/>
-                  <a:lumOff val="50000"/>
-                </a:schemeClr>
-              </a:solidFill>
-              <a:latin typeface="Open Sans" panose="020B0606030504020204" pitchFamily="34" charset="0"/>
-            </a:endParaRPr>
-          </a:p>
-        </p:txBody>
-      </p:sp>
-      <p:sp>
-        <p:nvSpPr>
-          <p:cNvPr id="25" name="TextBox 41"/>
-          <p:cNvSpPr txBox="1"/>
-          <p:nvPr/>
-        </p:nvSpPr>
-        <p:spPr>
-          <a:xfrm>
-            <a:off x="1062999" y="6116818"/>
-            <a:ext cx="5075375" cy="400110"/>
-          </a:xfrm>
-          <a:prstGeom prst="rect">
-            <a:avLst/>
-          </a:prstGeom>
-          <a:noFill/>
-        </p:spPr>
-        <p:txBody>
-          <a:bodyPr wrap="square" rtlCol="0">
-            <a:spAutoFit/>
-          </a:bodyPr>
-          <a:lstStyle/>
-          <a:p>
-            <a:pPr algn="just"/>
-            <a:r>
-              <a:rPr lang="en-US" sz="2000" dirty="0" smtClean="0">
-                <a:solidFill>
-                  <a:schemeClr val="tx1">
-                    <a:lumMod val="50000"/>
-                    <a:lumOff val="50000"/>
-                  </a:schemeClr>
-                </a:solidFill>
-                <a:latin typeface="Open Sans" panose="020B0606030504020204" pitchFamily="34" charset="0"/>
-                <a:hlinkClick r:id="rId5"/>
-              </a:rPr>
-              <a:t>jgaguilar40@gmail.com</a:t>
-            </a:r>
-            <a:r>
-              <a:rPr lang="en-US" sz="2000" dirty="0" smtClean="0">
-                <a:solidFill>
-                  <a:schemeClr val="tx1">
-                    <a:lumMod val="50000"/>
-                    <a:lumOff val="50000"/>
-                  </a:schemeClr>
-                </a:solidFill>
-                <a:latin typeface="Open Sans" panose="020B0606030504020204" pitchFamily="34" charset="0"/>
-              </a:rPr>
-              <a:t>; </a:t>
-            </a:r>
-            <a:endParaRPr lang="en-US" sz="2000" dirty="0">
-              <a:solidFill>
-                <a:schemeClr val="tx1">
-                  <a:lumMod val="50000"/>
-                  <a:lumOff val="50000"/>
-                </a:schemeClr>
-              </a:solidFill>
-              <a:latin typeface="Open Sans" panose="020B0606030504020204" pitchFamily="34" charset="0"/>
-            </a:endParaRPr>
-          </a:p>
-        </p:txBody>
-      </p:sp>
     </p:spTree>
     <p:extLst>
       <p:ext uri="{BB962C8B-B14F-4D97-AF65-F5344CB8AC3E}">
-        <p14:creationId xmlns:p14="http://schemas.microsoft.com/office/powerpoint/2010/main" val="2190770721"/>
+        <p14:creationId xmlns:p14="http://schemas.microsoft.com/office/powerpoint/2010/main" val="318404743"/>
       </p:ext>
     </p:extLst>
   </p:cSld>
